--- a/FDE_Presentation.pptx
+++ b/FDE_Presentation.pptx
@@ -17467,7 +17467,7 @@
                 </a:solidFill>
                 <a:effectLst/>
               </a:rPr>
-              <a:t>Error handling was not a focus of mine in this POC; in the a production system, It would have to be more robust.</a:t>
+              <a:t>Error handling was not a focus of mine in this POC; in a production system, It would have to be more robust.</a:t>
             </a:r>
           </a:p>
           <a:p>
@@ -17492,16 +17492,7 @@
                 </a:solidFill>
                 <a:effectLst/>
               </a:rPr>
-              <a:t>allow a user to regenerate </a:t>
-            </a:r>
-            <a:r>
-              <a:rPr lang="en-US" sz="1600">
-                <a:solidFill>
-                  <a:schemeClr val="tx1"/>
-                </a:solidFill>
-                <a:effectLst/>
-              </a:rPr>
-              <a:t>graphics if they don’t like them.</a:t>
+              <a:t>allow a user to regenerate graphics if they don’t like them.</a:t>
             </a:r>
             <a:endParaRPr lang="en-US" sz="1600" b="1" dirty="0">
               <a:solidFill>
